--- a/LOL_CP2.pptx
+++ b/LOL_CP2.pptx
@@ -10,6 +10,8 @@
     <p:sldId id="260" r:id="rId4"/>
     <p:sldId id="259" r:id="rId5"/>
     <p:sldId id="261" r:id="rId6"/>
+    <p:sldId id="262" r:id="rId7"/>
+    <p:sldId id="263" r:id="rId8"/>
   </p:sldIdLst>
   <p:sldSz cx="10655300" cy="5940425"/>
   <p:notesSz cx="10693400" cy="7562850"/>
@@ -35,6 +37,287 @@
     </p:ext>
   </p:extLst>
 </p:presentation>
+</file>
+
+<file path=ppt/revisionInfo.xml><?xml version="1.0" encoding="utf-8"?>
+<p1510:revInfo xmlns:a="http://schemas.openxmlformats.org/drawingml/2006/main" xmlns:r="http://schemas.openxmlformats.org/officeDocument/2006/relationships" xmlns:p1510="http://schemas.microsoft.com/office/powerpoint/2015/10/main">
+  <p1510:revLst>
+    <p1510:client id="{8A5F4777-0782-4FA9-A528-51A5205DCABD}" v="9" dt="2024-05-27T16:24:48.992"/>
+  </p1510:revLst>
+</p1510:revInfo>
+</file>
+
+<file path=ppt/changesInfos/changesInfo1.xml><?xml version="1.0" encoding="utf-8"?>
+<pc:chgInfo xmlns:a="http://schemas.openxmlformats.org/drawingml/2006/main" xmlns:r="http://schemas.openxmlformats.org/officeDocument/2006/relationships" xmlns:ac="http://schemas.microsoft.com/office/drawing/2013/main/command" xmlns:pc="http://schemas.microsoft.com/office/powerpoint/2013/main/command">
+  <pc:docChgLst>
+    <pc:chgData name="Gonçalo Martins" userId="58f3c1e1047aaeb7" providerId="LiveId" clId="{8A5F4777-0782-4FA9-A528-51A5205DCABD}"/>
+    <pc:docChg chg="undo custSel addSld delSld modSld">
+      <pc:chgData name="Gonçalo Martins" userId="58f3c1e1047aaeb7" providerId="LiveId" clId="{8A5F4777-0782-4FA9-A528-51A5205DCABD}" dt="2024-05-27T16:26:34.008" v="2209" actId="20577"/>
+      <pc:docMkLst>
+        <pc:docMk/>
+      </pc:docMkLst>
+      <pc:sldChg chg="modSp mod">
+        <pc:chgData name="Gonçalo Martins" userId="58f3c1e1047aaeb7" providerId="LiveId" clId="{8A5F4777-0782-4FA9-A528-51A5205DCABD}" dt="2024-05-27T16:09:06.355" v="1" actId="20577"/>
+        <pc:sldMkLst>
+          <pc:docMk/>
+          <pc:sldMk cId="0" sldId="256"/>
+        </pc:sldMkLst>
+        <pc:spChg chg="mod">
+          <ac:chgData name="Gonçalo Martins" userId="58f3c1e1047aaeb7" providerId="LiveId" clId="{8A5F4777-0782-4FA9-A528-51A5205DCABD}" dt="2024-05-27T16:09:06.355" v="1" actId="20577"/>
+          <ac:spMkLst>
+            <pc:docMk/>
+            <pc:sldMk cId="0" sldId="256"/>
+            <ac:spMk id="6" creationId="{00000000-0000-0000-0000-000000000000}"/>
+          </ac:spMkLst>
+        </pc:spChg>
+      </pc:sldChg>
+      <pc:sldChg chg="modSp mod">
+        <pc:chgData name="Gonçalo Martins" userId="58f3c1e1047aaeb7" providerId="LiveId" clId="{8A5F4777-0782-4FA9-A528-51A5205DCABD}" dt="2024-05-27T16:10:06.252" v="62" actId="20577"/>
+        <pc:sldMkLst>
+          <pc:docMk/>
+          <pc:sldMk cId="2711658942" sldId="261"/>
+        </pc:sldMkLst>
+        <pc:spChg chg="mod">
+          <ac:chgData name="Gonçalo Martins" userId="58f3c1e1047aaeb7" providerId="LiveId" clId="{8A5F4777-0782-4FA9-A528-51A5205DCABD}" dt="2024-05-27T16:10:06.252" v="62" actId="20577"/>
+          <ac:spMkLst>
+            <pc:docMk/>
+            <pc:sldMk cId="2711658942" sldId="261"/>
+            <ac:spMk id="3" creationId="{FBCB7272-CDE5-407B-EE3A-E6C59A20EE6F}"/>
+          </ac:spMkLst>
+        </pc:spChg>
+      </pc:sldChg>
+      <pc:sldChg chg="new del">
+        <pc:chgData name="Gonçalo Martins" userId="58f3c1e1047aaeb7" providerId="LiveId" clId="{8A5F4777-0782-4FA9-A528-51A5205DCABD}" dt="2024-05-27T16:09:23.542" v="3" actId="47"/>
+        <pc:sldMkLst>
+          <pc:docMk/>
+          <pc:sldMk cId="1370127823" sldId="262"/>
+        </pc:sldMkLst>
+      </pc:sldChg>
+      <pc:sldChg chg="addSp delSp modSp add mod">
+        <pc:chgData name="Gonçalo Martins" userId="58f3c1e1047aaeb7" providerId="LiveId" clId="{8A5F4777-0782-4FA9-A528-51A5205DCABD}" dt="2024-05-27T16:18:25.151" v="1097" actId="20577"/>
+        <pc:sldMkLst>
+          <pc:docMk/>
+          <pc:sldMk cId="3626809026" sldId="262"/>
+        </pc:sldMkLst>
+        <pc:spChg chg="mod">
+          <ac:chgData name="Gonçalo Martins" userId="58f3c1e1047aaeb7" providerId="LiveId" clId="{8A5F4777-0782-4FA9-A528-51A5205DCABD}" dt="2024-05-27T16:12:50.982" v="97" actId="1076"/>
+          <ac:spMkLst>
+            <pc:docMk/>
+            <pc:sldMk cId="3626809026" sldId="262"/>
+            <ac:spMk id="2" creationId="{00000000-0000-0000-0000-000000000000}"/>
+          </ac:spMkLst>
+        </pc:spChg>
+        <pc:spChg chg="del mod">
+          <ac:chgData name="Gonçalo Martins" userId="58f3c1e1047aaeb7" providerId="LiveId" clId="{8A5F4777-0782-4FA9-A528-51A5205DCABD}" dt="2024-05-27T16:09:30.459" v="7"/>
+          <ac:spMkLst>
+            <pc:docMk/>
+            <pc:sldMk cId="3626809026" sldId="262"/>
+            <ac:spMk id="3" creationId="{FBCB7272-CDE5-407B-EE3A-E6C59A20EE6F}"/>
+          </ac:spMkLst>
+        </pc:spChg>
+        <pc:spChg chg="add del mod">
+          <ac:chgData name="Gonçalo Martins" userId="58f3c1e1047aaeb7" providerId="LiveId" clId="{8A5F4777-0782-4FA9-A528-51A5205DCABD}" dt="2024-05-27T16:13:11.801" v="108"/>
+          <ac:spMkLst>
+            <pc:docMk/>
+            <pc:sldMk cId="3626809026" sldId="262"/>
+            <ac:spMk id="9" creationId="{1E30F26A-768E-8ADA-4976-C2345D2D452D}"/>
+          </ac:spMkLst>
+        </pc:spChg>
+        <pc:spChg chg="add mod">
+          <ac:chgData name="Gonçalo Martins" userId="58f3c1e1047aaeb7" providerId="LiveId" clId="{8A5F4777-0782-4FA9-A528-51A5205DCABD}" dt="2024-05-27T16:17:17.290" v="867" actId="404"/>
+          <ac:spMkLst>
+            <pc:docMk/>
+            <pc:sldMk cId="3626809026" sldId="262"/>
+            <ac:spMk id="10" creationId="{1236FE1A-F602-05CC-B499-F98367E4BA3E}"/>
+          </ac:spMkLst>
+        </pc:spChg>
+        <pc:spChg chg="add mod">
+          <ac:chgData name="Gonçalo Martins" userId="58f3c1e1047aaeb7" providerId="LiveId" clId="{8A5F4777-0782-4FA9-A528-51A5205DCABD}" dt="2024-05-27T16:17:26.459" v="872" actId="404"/>
+          <ac:spMkLst>
+            <pc:docMk/>
+            <pc:sldMk cId="3626809026" sldId="262"/>
+            <ac:spMk id="12" creationId="{9C96BC53-9A28-8AF7-6F52-C68D1363A0CB}"/>
+          </ac:spMkLst>
+        </pc:spChg>
+        <pc:spChg chg="add mod">
+          <ac:chgData name="Gonçalo Martins" userId="58f3c1e1047aaeb7" providerId="LiveId" clId="{8A5F4777-0782-4FA9-A528-51A5205DCABD}" dt="2024-05-27T16:18:25.151" v="1097" actId="20577"/>
+          <ac:spMkLst>
+            <pc:docMk/>
+            <pc:sldMk cId="3626809026" sldId="262"/>
+            <ac:spMk id="19" creationId="{BF2C58E7-414C-60F4-1A5D-4767C77B2988}"/>
+          </ac:spMkLst>
+        </pc:spChg>
+        <pc:picChg chg="add del mod">
+          <ac:chgData name="Gonçalo Martins" userId="58f3c1e1047aaeb7" providerId="LiveId" clId="{8A5F4777-0782-4FA9-A528-51A5205DCABD}" dt="2024-05-27T16:14:56.169" v="395" actId="478"/>
+          <ac:picMkLst>
+            <pc:docMk/>
+            <pc:sldMk cId="3626809026" sldId="262"/>
+            <ac:picMk id="8" creationId="{A14CF96D-53FB-8D3F-7524-40F527652022}"/>
+          </ac:picMkLst>
+        </pc:picChg>
+        <pc:picChg chg="add mod">
+          <ac:chgData name="Gonçalo Martins" userId="58f3c1e1047aaeb7" providerId="LiveId" clId="{8A5F4777-0782-4FA9-A528-51A5205DCABD}" dt="2024-05-27T16:17:21.375" v="870" actId="1076"/>
+          <ac:picMkLst>
+            <pc:docMk/>
+            <pc:sldMk cId="3626809026" sldId="262"/>
+            <ac:picMk id="14" creationId="{FCF574EC-A3C2-3ECB-A4F2-7B4DCC455C2F}"/>
+          </ac:picMkLst>
+        </pc:picChg>
+        <pc:picChg chg="add mod">
+          <ac:chgData name="Gonçalo Martins" userId="58f3c1e1047aaeb7" providerId="LiveId" clId="{8A5F4777-0782-4FA9-A528-51A5205DCABD}" dt="2024-05-27T16:17:29.253" v="874" actId="1076"/>
+          <ac:picMkLst>
+            <pc:docMk/>
+            <pc:sldMk cId="3626809026" sldId="262"/>
+            <ac:picMk id="16" creationId="{C9C74534-B8D9-8034-1AEE-2A336CDD0E51}"/>
+          </ac:picMkLst>
+        </pc:picChg>
+        <pc:picChg chg="add mod">
+          <ac:chgData name="Gonçalo Martins" userId="58f3c1e1047aaeb7" providerId="LiveId" clId="{8A5F4777-0782-4FA9-A528-51A5205DCABD}" dt="2024-05-27T16:17:30.706" v="875" actId="1076"/>
+          <ac:picMkLst>
+            <pc:docMk/>
+            <pc:sldMk cId="3626809026" sldId="262"/>
+            <ac:picMk id="18" creationId="{3364028A-7A50-BE1B-B191-2F8FA6AB3963}"/>
+          </ac:picMkLst>
+        </pc:picChg>
+        <pc:picChg chg="del">
+          <ac:chgData name="Gonçalo Martins" userId="58f3c1e1047aaeb7" providerId="LiveId" clId="{8A5F4777-0782-4FA9-A528-51A5205DCABD}" dt="2024-05-27T16:10:16.448" v="64" actId="478"/>
+          <ac:picMkLst>
+            <pc:docMk/>
+            <pc:sldMk cId="3626809026" sldId="262"/>
+            <ac:picMk id="2050" creationId="{E536A67E-BDDC-61F0-04B9-16952181E2DE}"/>
+          </ac:picMkLst>
+        </pc:picChg>
+        <pc:picChg chg="del">
+          <ac:chgData name="Gonçalo Martins" userId="58f3c1e1047aaeb7" providerId="LiveId" clId="{8A5F4777-0782-4FA9-A528-51A5205DCABD}" dt="2024-05-27T16:10:16.796" v="65" actId="478"/>
+          <ac:picMkLst>
+            <pc:docMk/>
+            <pc:sldMk cId="3626809026" sldId="262"/>
+            <ac:picMk id="2052" creationId="{1E93BFAE-DC33-576F-7D91-50A09400B0A1}"/>
+          </ac:picMkLst>
+        </pc:picChg>
+      </pc:sldChg>
+      <pc:sldChg chg="addSp delSp modSp add mod">
+        <pc:chgData name="Gonçalo Martins" userId="58f3c1e1047aaeb7" providerId="LiveId" clId="{8A5F4777-0782-4FA9-A528-51A5205DCABD}" dt="2024-05-27T16:26:34.008" v="2209" actId="20577"/>
+        <pc:sldMkLst>
+          <pc:docMk/>
+          <pc:sldMk cId="3631189357" sldId="263"/>
+        </pc:sldMkLst>
+        <pc:spChg chg="mod">
+          <ac:chgData name="Gonçalo Martins" userId="58f3c1e1047aaeb7" providerId="LiveId" clId="{8A5F4777-0782-4FA9-A528-51A5205DCABD}" dt="2024-05-27T16:21:51.952" v="1670" actId="1076"/>
+          <ac:spMkLst>
+            <pc:docMk/>
+            <pc:sldMk cId="3631189357" sldId="263"/>
+            <ac:spMk id="10" creationId="{1236FE1A-F602-05CC-B499-F98367E4BA3E}"/>
+          </ac:spMkLst>
+        </pc:spChg>
+        <pc:spChg chg="add mod">
+          <ac:chgData name="Gonçalo Martins" userId="58f3c1e1047aaeb7" providerId="LiveId" clId="{8A5F4777-0782-4FA9-A528-51A5205DCABD}" dt="2024-05-27T16:23:50.810" v="1784" actId="20577"/>
+          <ac:spMkLst>
+            <pc:docMk/>
+            <pc:sldMk cId="3631189357" sldId="263"/>
+            <ac:spMk id="11" creationId="{D945E48B-34BF-DBB2-2508-03F44373DFC9}"/>
+          </ac:spMkLst>
+        </pc:spChg>
+        <pc:spChg chg="del mod">
+          <ac:chgData name="Gonçalo Martins" userId="58f3c1e1047aaeb7" providerId="LiveId" clId="{8A5F4777-0782-4FA9-A528-51A5205DCABD}" dt="2024-05-27T16:18:41.643" v="1105" actId="478"/>
+          <ac:spMkLst>
+            <pc:docMk/>
+            <pc:sldMk cId="3631189357" sldId="263"/>
+            <ac:spMk id="12" creationId="{9C96BC53-9A28-8AF7-6F52-C68D1363A0CB}"/>
+          </ac:spMkLst>
+        </pc:spChg>
+        <pc:spChg chg="del">
+          <ac:chgData name="Gonçalo Martins" userId="58f3c1e1047aaeb7" providerId="LiveId" clId="{8A5F4777-0782-4FA9-A528-51A5205DCABD}" dt="2024-05-27T16:18:43.582" v="1106" actId="478"/>
+          <ac:spMkLst>
+            <pc:docMk/>
+            <pc:sldMk cId="3631189357" sldId="263"/>
+            <ac:spMk id="19" creationId="{BF2C58E7-414C-60F4-1A5D-4767C77B2988}"/>
+          </ac:spMkLst>
+        </pc:spChg>
+        <pc:spChg chg="add mod">
+          <ac:chgData name="Gonçalo Martins" userId="58f3c1e1047aaeb7" providerId="LiveId" clId="{8A5F4777-0782-4FA9-A528-51A5205DCABD}" dt="2024-05-27T16:26:34.008" v="2209" actId="20577"/>
+          <ac:spMkLst>
+            <pc:docMk/>
+            <pc:sldMk cId="3631189357" sldId="263"/>
+            <ac:spMk id="23" creationId="{8BD57FCE-326C-5A85-E774-8C8D75E589D8}"/>
+          </ac:spMkLst>
+        </pc:spChg>
+        <pc:grpChg chg="mod">
+          <ac:chgData name="Gonçalo Martins" userId="58f3c1e1047aaeb7" providerId="LiveId" clId="{8A5F4777-0782-4FA9-A528-51A5205DCABD}" dt="2024-05-27T16:23:52.043" v="1785" actId="1076"/>
+          <ac:grpSpMkLst>
+            <pc:docMk/>
+            <pc:sldMk cId="3631189357" sldId="263"/>
+            <ac:grpSpMk id="4" creationId="{EA62F31A-75C4-E16C-E83A-DCD337C271A8}"/>
+          </ac:grpSpMkLst>
+        </pc:grpChg>
+        <pc:picChg chg="add mod">
+          <ac:chgData name="Gonçalo Martins" userId="58f3c1e1047aaeb7" providerId="LiveId" clId="{8A5F4777-0782-4FA9-A528-51A5205DCABD}" dt="2024-05-27T16:22:39.089" v="1688" actId="14100"/>
+          <ac:picMkLst>
+            <pc:docMk/>
+            <pc:sldMk cId="3631189357" sldId="263"/>
+            <ac:picMk id="7" creationId="{9D2B91CC-3765-4607-4EA7-1431FFBB5D74}"/>
+          </ac:picMkLst>
+        </pc:picChg>
+        <pc:picChg chg="add mod">
+          <ac:chgData name="Gonçalo Martins" userId="58f3c1e1047aaeb7" providerId="LiveId" clId="{8A5F4777-0782-4FA9-A528-51A5205DCABD}" dt="2024-05-27T16:22:57.045" v="1693" actId="1076"/>
+          <ac:picMkLst>
+            <pc:docMk/>
+            <pc:sldMk cId="3631189357" sldId="263"/>
+            <ac:picMk id="9" creationId="{12EED3C4-4B30-C462-0F7E-F3F2A9D93558}"/>
+          </ac:picMkLst>
+        </pc:picChg>
+        <pc:picChg chg="del mod">
+          <ac:chgData name="Gonçalo Martins" userId="58f3c1e1047aaeb7" providerId="LiveId" clId="{8A5F4777-0782-4FA9-A528-51A5205DCABD}" dt="2024-05-27T16:18:39.245" v="1102" actId="478"/>
+          <ac:picMkLst>
+            <pc:docMk/>
+            <pc:sldMk cId="3631189357" sldId="263"/>
+            <ac:picMk id="14" creationId="{FCF574EC-A3C2-3ECB-A4F2-7B4DCC455C2F}"/>
+          </ac:picMkLst>
+        </pc:picChg>
+        <pc:picChg chg="add mod">
+          <ac:chgData name="Gonçalo Martins" userId="58f3c1e1047aaeb7" providerId="LiveId" clId="{8A5F4777-0782-4FA9-A528-51A5205DCABD}" dt="2024-05-27T16:24:06.659" v="1788" actId="1076"/>
+          <ac:picMkLst>
+            <pc:docMk/>
+            <pc:sldMk cId="3631189357" sldId="263"/>
+            <ac:picMk id="15" creationId="{9174CED1-B7EE-FBD2-2200-68DA677CB4EE}"/>
+          </ac:picMkLst>
+        </pc:picChg>
+        <pc:picChg chg="del">
+          <ac:chgData name="Gonçalo Martins" userId="58f3c1e1047aaeb7" providerId="LiveId" clId="{8A5F4777-0782-4FA9-A528-51A5205DCABD}" dt="2024-05-27T16:18:44.127" v="1107" actId="478"/>
+          <ac:picMkLst>
+            <pc:docMk/>
+            <pc:sldMk cId="3631189357" sldId="263"/>
+            <ac:picMk id="16" creationId="{C9C74534-B8D9-8034-1AEE-2A336CDD0E51}"/>
+          </ac:picMkLst>
+        </pc:picChg>
+        <pc:picChg chg="del">
+          <ac:chgData name="Gonçalo Martins" userId="58f3c1e1047aaeb7" providerId="LiveId" clId="{8A5F4777-0782-4FA9-A528-51A5205DCABD}" dt="2024-05-27T16:18:39.707" v="1103" actId="478"/>
+          <ac:picMkLst>
+            <pc:docMk/>
+            <pc:sldMk cId="3631189357" sldId="263"/>
+            <ac:picMk id="18" creationId="{3364028A-7A50-BE1B-B191-2F8FA6AB3963}"/>
+          </ac:picMkLst>
+        </pc:picChg>
+        <pc:picChg chg="add mod">
+          <ac:chgData name="Gonçalo Martins" userId="58f3c1e1047aaeb7" providerId="LiveId" clId="{8A5F4777-0782-4FA9-A528-51A5205DCABD}" dt="2024-05-27T16:24:37.994" v="1792" actId="14100"/>
+          <ac:picMkLst>
+            <pc:docMk/>
+            <pc:sldMk cId="3631189357" sldId="263"/>
+            <ac:picMk id="20" creationId="{DFAC85AF-5814-C6E2-3EBE-088FC791DC2A}"/>
+          </ac:picMkLst>
+        </pc:picChg>
+        <pc:picChg chg="add del">
+          <ac:chgData name="Gonçalo Martins" userId="58f3c1e1047aaeb7" providerId="LiveId" clId="{8A5F4777-0782-4FA9-A528-51A5205DCABD}" dt="2024-05-27T16:24:46.901" v="1794" actId="22"/>
+          <ac:picMkLst>
+            <pc:docMk/>
+            <pc:sldMk cId="3631189357" sldId="263"/>
+            <ac:picMk id="22" creationId="{0B69C696-791B-4B13-3CAC-B08F7E1A6531}"/>
+          </ac:picMkLst>
+        </pc:picChg>
+      </pc:sldChg>
+    </pc:docChg>
+  </pc:docChgLst>
+</pc:chgInfo>
 </file>
 
 <file path=ppt/slideLayouts/slideLayout1.xml><?xml version="1.0" encoding="utf-8"?>
@@ -188,7 +471,7 @@
           <a:p>
             <a:fld id="{1D8BD707-D9CF-40AE-B4C6-C98DA3205C09}" type="datetimeFigureOut">
               <a:rPr lang="en-US"/>
-              <a:t>5/1/2024</a:t>
+              <a:t>5/27/2024</a:t>
             </a:fld>
             <a:endParaRPr lang="en-US"/>
           </a:p>
@@ -375,7 +658,7 @@
           <a:p>
             <a:fld id="{1D8BD707-D9CF-40AE-B4C6-C98DA3205C09}" type="datetimeFigureOut">
               <a:rPr lang="en-US"/>
-              <a:t>5/1/2024</a:t>
+              <a:t>5/27/2024</a:t>
             </a:fld>
             <a:endParaRPr lang="en-US"/>
           </a:p>
@@ -594,7 +877,7 @@
           <a:p>
             <a:fld id="{1D8BD707-D9CF-40AE-B4C6-C98DA3205C09}" type="datetimeFigureOut">
               <a:rPr lang="en-US"/>
-              <a:t>5/1/2024</a:t>
+              <a:t>5/27/2024</a:t>
             </a:fld>
             <a:endParaRPr lang="en-US"/>
           </a:p>
@@ -747,7 +1030,7 @@
           <a:p>
             <a:fld id="{1D8BD707-D9CF-40AE-B4C6-C98DA3205C09}" type="datetimeFigureOut">
               <a:rPr lang="en-US"/>
-              <a:t>5/1/2024</a:t>
+              <a:t>5/27/2024</a:t>
             </a:fld>
             <a:endParaRPr lang="en-US"/>
           </a:p>
@@ -866,7 +1149,7 @@
           <a:p>
             <a:fld id="{1D8BD707-D9CF-40AE-B4C6-C98DA3205C09}" type="datetimeFigureOut">
               <a:rPr lang="en-US"/>
-              <a:t>5/1/2024</a:t>
+              <a:t>5/27/2024</a:t>
             </a:fld>
             <a:endParaRPr lang="en-US"/>
           </a:p>
@@ -1135,7 +1418,7 @@
           <a:p>
             <a:fld id="{1D8BD707-D9CF-40AE-B4C6-C98DA3205C09}" type="datetimeFigureOut">
               <a:rPr lang="en-US"/>
-              <a:t>5/1/2024</a:t>
+              <a:t>5/27/2024</a:t>
             </a:fld>
             <a:endParaRPr lang="en-US"/>
           </a:p>
@@ -1482,7 +1765,7 @@
         <p:spPr>
           <a:xfrm>
             <a:off x="753078" y="2436813"/>
-            <a:ext cx="3274060" cy="1752788"/>
+            <a:ext cx="3274060" cy="1514261"/>
           </a:xfrm>
           <a:prstGeom prst="rect">
             <a:avLst/>
@@ -1494,34 +1777,13 @@
           </a:bodyPr>
           <a:lstStyle/>
           <a:p>
-            <a:pPr marL="12701">
-              <a:spcBef>
-                <a:spcPts val="1005"/>
-              </a:spcBef>
-            </a:pPr>
-            <a:r>
-              <a:rPr sz="1550" spc="-10" dirty="0">
-                <a:solidFill>
-                  <a:srgbClr val="FFFFFF"/>
-                </a:solidFill>
-                <a:latin typeface="Calibri"/>
-                <a:cs typeface="Calibri"/>
-              </a:rPr>
-              <a:t>Checkpoint</a:t>
-            </a:r>
-            <a:endParaRPr sz="1550" dirty="0">
-              <a:latin typeface="Calibri"/>
-              <a:cs typeface="Calibri"/>
-            </a:endParaRPr>
-          </a:p>
-          <a:p>
             <a:pPr marL="12701" marR="5080">
               <a:lnSpc>
                 <a:spcPct val="149000"/>
               </a:lnSpc>
             </a:pPr>
             <a:r>
-              <a:rPr sz="1550" dirty="0">
+              <a:rPr sz="1550" dirty="0" err="1">
                 <a:solidFill>
                   <a:srgbClr val="FFFFFF"/>
                 </a:solidFill>
@@ -3808,7 +4070,7 @@
         <p:spPr>
           <a:xfrm>
             <a:off x="298450" y="1485478"/>
-            <a:ext cx="10058400" cy="2585323"/>
+            <a:ext cx="10058400" cy="2031325"/>
           </a:xfrm>
           <a:prstGeom prst="rect">
             <a:avLst/>
@@ -3829,52 +4091,88 @@
                 </a:solidFill>
                 <a:latin typeface="+mj-lt"/>
               </a:rPr>
-              <a:t>We’ll</a:t>
-            </a:r>
-            <a:r>
-              <a:rPr lang="pt-PT" dirty="0">
-                <a:solidFill>
-                  <a:schemeClr val="bg1"/>
-                </a:solidFill>
-                <a:latin typeface="+mj-lt"/>
-              </a:rPr>
-              <a:t> </a:t>
-            </a:r>
-            <a:r>
-              <a:rPr lang="pt-PT" dirty="0" err="1">
-                <a:solidFill>
-                  <a:schemeClr val="bg1"/>
-                </a:solidFill>
-                <a:latin typeface="+mj-lt"/>
-              </a:rPr>
-              <a:t>be</a:t>
-            </a:r>
-            <a:r>
-              <a:rPr lang="pt-PT" dirty="0">
-                <a:solidFill>
-                  <a:schemeClr val="bg1"/>
-                </a:solidFill>
-                <a:latin typeface="+mj-lt"/>
-              </a:rPr>
-              <a:t> </a:t>
-            </a:r>
-            <a:r>
-              <a:rPr lang="pt-PT" dirty="0" err="1">
-                <a:solidFill>
-                  <a:schemeClr val="bg1"/>
-                </a:solidFill>
-                <a:latin typeface="+mj-lt"/>
-              </a:rPr>
-              <a:t>using</a:t>
-            </a:r>
-            <a:r>
-              <a:rPr lang="pt-PT" dirty="0">
-                <a:solidFill>
-                  <a:schemeClr val="bg1"/>
-                </a:solidFill>
-                <a:latin typeface="+mj-lt"/>
-              </a:rPr>
-              <a:t> Pandas </a:t>
+              <a:t>We</a:t>
+            </a:r>
+            <a:r>
+              <a:rPr lang="pt-PT" dirty="0">
+                <a:solidFill>
+                  <a:schemeClr val="bg1"/>
+                </a:solidFill>
+                <a:latin typeface="+mj-lt"/>
+              </a:rPr>
+              <a:t> </a:t>
+            </a:r>
+            <a:r>
+              <a:rPr lang="pt-PT" dirty="0" err="1">
+                <a:solidFill>
+                  <a:schemeClr val="bg1"/>
+                </a:solidFill>
+                <a:latin typeface="+mj-lt"/>
+              </a:rPr>
+              <a:t>used</a:t>
+            </a:r>
+            <a:r>
+              <a:rPr lang="pt-PT" dirty="0">
+                <a:solidFill>
+                  <a:schemeClr val="bg1"/>
+                </a:solidFill>
+                <a:latin typeface="+mj-lt"/>
+              </a:rPr>
+              <a:t> Pandas, </a:t>
+            </a:r>
+            <a:r>
+              <a:rPr lang="pt-PT" dirty="0" err="1">
+                <a:solidFill>
+                  <a:schemeClr val="bg1"/>
+                </a:solidFill>
+                <a:latin typeface="+mj-lt"/>
+              </a:rPr>
+              <a:t>NumPy</a:t>
+            </a:r>
+            <a:r>
+              <a:rPr lang="pt-PT" dirty="0">
+                <a:solidFill>
+                  <a:schemeClr val="bg1"/>
+                </a:solidFill>
+                <a:latin typeface="+mj-lt"/>
+              </a:rPr>
+              <a:t>, </a:t>
+            </a:r>
+            <a:r>
+              <a:rPr lang="pt-PT" dirty="0" err="1">
+                <a:solidFill>
+                  <a:schemeClr val="bg1"/>
+                </a:solidFill>
+                <a:latin typeface="+mj-lt"/>
+              </a:rPr>
+              <a:t>Pycaret</a:t>
+            </a:r>
+            <a:r>
+              <a:rPr lang="pt-PT" dirty="0">
+                <a:solidFill>
+                  <a:schemeClr val="bg1"/>
+                </a:solidFill>
+                <a:latin typeface="+mj-lt"/>
+              </a:rPr>
+              <a:t>, </a:t>
+            </a:r>
+            <a:r>
+              <a:rPr lang="pt-PT" dirty="0" err="1">
+                <a:solidFill>
+                  <a:schemeClr val="bg1"/>
+                </a:solidFill>
+                <a:latin typeface="+mj-lt"/>
+              </a:rPr>
+              <a:t>Matplotlib</a:t>
+            </a:r>
+            <a:r>
+              <a:rPr lang="pt-PT" dirty="0">
+                <a:solidFill>
+                  <a:schemeClr val="bg1"/>
+                </a:solidFill>
+                <a:latin typeface="+mj-lt"/>
+              </a:rPr>
+              <a:t> </a:t>
             </a:r>
             <a:r>
               <a:rPr lang="pt-PT" dirty="0" err="1">
@@ -3901,7 +4199,7 @@
                 </a:solidFill>
                 <a:latin typeface="+mj-lt"/>
               </a:rPr>
-              <a:t>NumPy</a:t>
+              <a:t>seaborn</a:t>
             </a:r>
             <a:r>
               <a:rPr lang="pt-PT" dirty="0">
@@ -3984,339 +4282,6 @@
               </a:rPr>
               <a:t>. </a:t>
             </a:r>
-            <a:r>
-              <a:rPr lang="pt-PT" dirty="0" err="1">
-                <a:solidFill>
-                  <a:schemeClr val="bg1"/>
-                </a:solidFill>
-                <a:latin typeface="+mj-lt"/>
-              </a:rPr>
-              <a:t>We</a:t>
-            </a:r>
-            <a:r>
-              <a:rPr lang="pt-PT" dirty="0">
-                <a:solidFill>
-                  <a:schemeClr val="bg1"/>
-                </a:solidFill>
-                <a:latin typeface="+mj-lt"/>
-              </a:rPr>
-              <a:t> </a:t>
-            </a:r>
-            <a:r>
-              <a:rPr lang="pt-PT" dirty="0" err="1">
-                <a:solidFill>
-                  <a:schemeClr val="bg1"/>
-                </a:solidFill>
-                <a:latin typeface="+mj-lt"/>
-              </a:rPr>
-              <a:t>will</a:t>
-            </a:r>
-            <a:r>
-              <a:rPr lang="pt-PT" dirty="0">
-                <a:solidFill>
-                  <a:schemeClr val="bg1"/>
-                </a:solidFill>
-                <a:latin typeface="+mj-lt"/>
-              </a:rPr>
-              <a:t> </a:t>
-            </a:r>
-            <a:r>
-              <a:rPr lang="pt-PT" dirty="0" err="1">
-                <a:solidFill>
-                  <a:schemeClr val="bg1"/>
-                </a:solidFill>
-                <a:latin typeface="+mj-lt"/>
-              </a:rPr>
-              <a:t>also</a:t>
-            </a:r>
-            <a:r>
-              <a:rPr lang="pt-PT" dirty="0">
-                <a:solidFill>
-                  <a:schemeClr val="bg1"/>
-                </a:solidFill>
-                <a:latin typeface="+mj-lt"/>
-              </a:rPr>
-              <a:t> take a look </a:t>
-            </a:r>
-            <a:r>
-              <a:rPr lang="pt-PT" dirty="0" err="1">
-                <a:solidFill>
-                  <a:schemeClr val="bg1"/>
-                </a:solidFill>
-                <a:latin typeface="+mj-lt"/>
-              </a:rPr>
-              <a:t>at</a:t>
-            </a:r>
-            <a:r>
-              <a:rPr lang="pt-PT" dirty="0">
-                <a:solidFill>
-                  <a:schemeClr val="bg1"/>
-                </a:solidFill>
-                <a:latin typeface="+mj-lt"/>
-              </a:rPr>
-              <a:t> </a:t>
-            </a:r>
-            <a:r>
-              <a:rPr lang="pt-PT" dirty="0" err="1">
-                <a:solidFill>
-                  <a:schemeClr val="bg1"/>
-                </a:solidFill>
-                <a:latin typeface="+mj-lt"/>
-              </a:rPr>
-              <a:t>SciKit-Learn</a:t>
-            </a:r>
-            <a:r>
-              <a:rPr lang="pt-PT" dirty="0">
-                <a:solidFill>
-                  <a:schemeClr val="bg1"/>
-                </a:solidFill>
-                <a:latin typeface="+mj-lt"/>
-              </a:rPr>
-              <a:t> </a:t>
-            </a:r>
-            <a:r>
-              <a:rPr lang="pt-PT" dirty="0" err="1">
-                <a:solidFill>
-                  <a:schemeClr val="bg1"/>
-                </a:solidFill>
-                <a:latin typeface="+mj-lt"/>
-              </a:rPr>
-              <a:t>and</a:t>
-            </a:r>
-            <a:r>
-              <a:rPr lang="pt-PT" dirty="0">
-                <a:solidFill>
-                  <a:schemeClr val="bg1"/>
-                </a:solidFill>
-                <a:latin typeface="+mj-lt"/>
-              </a:rPr>
-              <a:t> </a:t>
-            </a:r>
-            <a:r>
-              <a:rPr lang="pt-PT" dirty="0" err="1">
-                <a:solidFill>
-                  <a:schemeClr val="bg1"/>
-                </a:solidFill>
-                <a:latin typeface="+mj-lt"/>
-              </a:rPr>
-              <a:t>see</a:t>
-            </a:r>
-            <a:r>
-              <a:rPr lang="pt-PT" dirty="0">
-                <a:solidFill>
-                  <a:schemeClr val="bg1"/>
-                </a:solidFill>
-                <a:latin typeface="+mj-lt"/>
-              </a:rPr>
-              <a:t> </a:t>
-            </a:r>
-            <a:r>
-              <a:rPr lang="pt-PT" dirty="0" err="1">
-                <a:solidFill>
-                  <a:schemeClr val="bg1"/>
-                </a:solidFill>
-                <a:latin typeface="+mj-lt"/>
-              </a:rPr>
-              <a:t>what</a:t>
-            </a:r>
-            <a:r>
-              <a:rPr lang="pt-PT" dirty="0">
-                <a:solidFill>
-                  <a:schemeClr val="bg1"/>
-                </a:solidFill>
-                <a:latin typeface="+mj-lt"/>
-              </a:rPr>
-              <a:t> </a:t>
-            </a:r>
-            <a:r>
-              <a:rPr lang="pt-PT" dirty="0" err="1">
-                <a:solidFill>
-                  <a:schemeClr val="bg1"/>
-                </a:solidFill>
-                <a:latin typeface="+mj-lt"/>
-              </a:rPr>
-              <a:t>it</a:t>
-            </a:r>
-            <a:r>
-              <a:rPr lang="pt-PT" dirty="0">
-                <a:solidFill>
-                  <a:schemeClr val="bg1"/>
-                </a:solidFill>
-                <a:latin typeface="+mj-lt"/>
-              </a:rPr>
-              <a:t> can </a:t>
-            </a:r>
-            <a:r>
-              <a:rPr lang="pt-PT" dirty="0" err="1">
-                <a:solidFill>
-                  <a:schemeClr val="bg1"/>
-                </a:solidFill>
-                <a:latin typeface="+mj-lt"/>
-              </a:rPr>
-              <a:t>provide</a:t>
-            </a:r>
-            <a:r>
-              <a:rPr lang="pt-PT" dirty="0">
-                <a:solidFill>
-                  <a:schemeClr val="bg1"/>
-                </a:solidFill>
-                <a:latin typeface="+mj-lt"/>
-              </a:rPr>
-              <a:t> </a:t>
-            </a:r>
-            <a:r>
-              <a:rPr lang="pt-PT" dirty="0" err="1">
-                <a:solidFill>
-                  <a:schemeClr val="bg1"/>
-                </a:solidFill>
-                <a:latin typeface="+mj-lt"/>
-              </a:rPr>
-              <a:t>us</a:t>
-            </a:r>
-            <a:r>
-              <a:rPr lang="pt-PT" dirty="0">
-                <a:solidFill>
-                  <a:schemeClr val="bg1"/>
-                </a:solidFill>
-                <a:latin typeface="+mj-lt"/>
-              </a:rPr>
-              <a:t> </a:t>
-            </a:r>
-            <a:r>
-              <a:rPr lang="pt-PT" dirty="0" err="1">
-                <a:solidFill>
-                  <a:schemeClr val="bg1"/>
-                </a:solidFill>
-                <a:latin typeface="+mj-lt"/>
-              </a:rPr>
-              <a:t>based</a:t>
-            </a:r>
-            <a:r>
-              <a:rPr lang="pt-PT" dirty="0">
-                <a:solidFill>
-                  <a:schemeClr val="bg1"/>
-                </a:solidFill>
-                <a:latin typeface="+mj-lt"/>
-              </a:rPr>
-              <a:t> </a:t>
-            </a:r>
-            <a:r>
-              <a:rPr lang="pt-PT" dirty="0" err="1">
-                <a:solidFill>
-                  <a:schemeClr val="bg1"/>
-                </a:solidFill>
-                <a:latin typeface="+mj-lt"/>
-              </a:rPr>
-              <a:t>on</a:t>
-            </a:r>
-            <a:r>
-              <a:rPr lang="pt-PT" dirty="0">
-                <a:solidFill>
-                  <a:schemeClr val="bg1"/>
-                </a:solidFill>
-                <a:latin typeface="+mj-lt"/>
-              </a:rPr>
-              <a:t> </a:t>
-            </a:r>
-            <a:r>
-              <a:rPr lang="pt-PT" dirty="0" err="1">
-                <a:solidFill>
-                  <a:schemeClr val="bg1"/>
-                </a:solidFill>
-                <a:latin typeface="+mj-lt"/>
-              </a:rPr>
-              <a:t>the</a:t>
-            </a:r>
-            <a:r>
-              <a:rPr lang="pt-PT" dirty="0">
-                <a:solidFill>
-                  <a:schemeClr val="bg1"/>
-                </a:solidFill>
-                <a:latin typeface="+mj-lt"/>
-              </a:rPr>
-              <a:t> </a:t>
-            </a:r>
-            <a:r>
-              <a:rPr lang="pt-PT" dirty="0" err="1">
-                <a:solidFill>
-                  <a:schemeClr val="bg1"/>
-                </a:solidFill>
-                <a:latin typeface="+mj-lt"/>
-              </a:rPr>
-              <a:t>algorithms</a:t>
-            </a:r>
-            <a:r>
-              <a:rPr lang="pt-PT" dirty="0">
-                <a:solidFill>
-                  <a:schemeClr val="bg1"/>
-                </a:solidFill>
-                <a:latin typeface="+mj-lt"/>
-              </a:rPr>
-              <a:t> </a:t>
-            </a:r>
-            <a:r>
-              <a:rPr lang="pt-PT" dirty="0" err="1">
-                <a:solidFill>
-                  <a:schemeClr val="bg1"/>
-                </a:solidFill>
-                <a:latin typeface="+mj-lt"/>
-              </a:rPr>
-              <a:t>we</a:t>
-            </a:r>
-            <a:r>
-              <a:rPr lang="pt-PT" dirty="0">
-                <a:solidFill>
-                  <a:schemeClr val="bg1"/>
-                </a:solidFill>
-                <a:latin typeface="+mj-lt"/>
-              </a:rPr>
-              <a:t> </a:t>
-            </a:r>
-            <a:r>
-              <a:rPr lang="pt-PT" dirty="0" err="1">
-                <a:solidFill>
-                  <a:schemeClr val="bg1"/>
-                </a:solidFill>
-                <a:latin typeface="+mj-lt"/>
-              </a:rPr>
-              <a:t>will</a:t>
-            </a:r>
-            <a:r>
-              <a:rPr lang="pt-PT" dirty="0">
-                <a:solidFill>
-                  <a:schemeClr val="bg1"/>
-                </a:solidFill>
-                <a:latin typeface="+mj-lt"/>
-              </a:rPr>
-              <a:t> </a:t>
-            </a:r>
-            <a:r>
-              <a:rPr lang="pt-PT" dirty="0" err="1">
-                <a:solidFill>
-                  <a:schemeClr val="bg1"/>
-                </a:solidFill>
-                <a:latin typeface="+mj-lt"/>
-              </a:rPr>
-              <a:t>choose</a:t>
-            </a:r>
-            <a:r>
-              <a:rPr lang="pt-PT" dirty="0">
-                <a:solidFill>
-                  <a:schemeClr val="bg1"/>
-                </a:solidFill>
-                <a:latin typeface="+mj-lt"/>
-              </a:rPr>
-              <a:t>.</a:t>
-            </a:r>
-          </a:p>
-          <a:p>
-            <a:pPr algn="just" fontAlgn="base"/>
-            <a:endParaRPr lang="pt-PT" dirty="0">
-              <a:solidFill>
-                <a:schemeClr val="bg1"/>
-              </a:solidFill>
-              <a:latin typeface="+mj-lt"/>
-            </a:endParaRPr>
           </a:p>
           <a:p>
             <a:pPr algn="just" fontAlgn="base"/>
@@ -5585,6 +5550,787 @@
     <p:extLst>
       <p:ext uri="{BB962C8B-B14F-4D97-AF65-F5344CB8AC3E}">
         <p14:creationId xmlns:p14="http://schemas.microsoft.com/office/powerpoint/2010/main" val="2711658942"/>
+      </p:ext>
+    </p:extLst>
+  </p:cSld>
+  <p:clrMapOvr>
+    <a:masterClrMapping/>
+  </p:clrMapOvr>
+</p:sld>
+</file>
+
+<file path=ppt/slides/slide6.xml><?xml version="1.0" encoding="utf-8"?>
+<p:sld xmlns:a="http://schemas.openxmlformats.org/drawingml/2006/main" xmlns:r="http://schemas.openxmlformats.org/officeDocument/2006/relationships" xmlns:p="http://schemas.openxmlformats.org/presentationml/2006/main">
+  <p:cSld>
+    <p:spTree>
+      <p:nvGrpSpPr>
+        <p:cNvPr id="1" name=""/>
+        <p:cNvGrpSpPr/>
+        <p:nvPr/>
+      </p:nvGrpSpPr>
+      <p:grpSpPr>
+        <a:xfrm>
+          <a:off x="0" y="0"/>
+          <a:ext cx="0" cy="0"/>
+          <a:chOff x="0" y="0"/>
+          <a:chExt cx="0" cy="0"/>
+        </a:xfrm>
+      </p:grpSpPr>
+      <p:grpSp>
+        <p:nvGrpSpPr>
+          <p:cNvPr id="4" name="object 2">
+            <a:extLst>
+              <a:ext uri="{FF2B5EF4-FFF2-40B4-BE49-F238E27FC236}">
+                <a16:creationId xmlns:a16="http://schemas.microsoft.com/office/drawing/2014/main" id="{EA62F31A-75C4-E16C-E83A-DCD337C271A8}"/>
+              </a:ext>
+            </a:extLst>
+          </p:cNvPr>
+          <p:cNvGrpSpPr/>
+          <p:nvPr/>
+        </p:nvGrpSpPr>
+        <p:grpSpPr>
+          <a:xfrm>
+            <a:off x="-9948" y="-35455"/>
+            <a:ext cx="10692765" cy="6014085"/>
+            <a:chOff x="0" y="772668"/>
+            <a:chExt cx="10692765" cy="6014085"/>
+          </a:xfrm>
+        </p:grpSpPr>
+        <p:pic>
+          <p:nvPicPr>
+            <p:cNvPr id="5" name="object 3">
+              <a:extLst>
+                <a:ext uri="{FF2B5EF4-FFF2-40B4-BE49-F238E27FC236}">
+                  <a16:creationId xmlns:a16="http://schemas.microsoft.com/office/drawing/2014/main" id="{249AD492-A3BC-24E8-3D66-9E73F8DC9B69}"/>
+                </a:ext>
+              </a:extLst>
+            </p:cNvPr>
+            <p:cNvPicPr/>
+            <p:nvPr/>
+          </p:nvPicPr>
+          <p:blipFill>
+            <a:blip r:embed="rId2" cstate="print"/>
+            <a:stretch>
+              <a:fillRect/>
+            </a:stretch>
+          </p:blipFill>
+          <p:spPr>
+            <a:xfrm>
+              <a:off x="0" y="772668"/>
+              <a:ext cx="10692384" cy="6013703"/>
+            </a:xfrm>
+            <a:prstGeom prst="rect">
+              <a:avLst/>
+            </a:prstGeom>
+          </p:spPr>
+        </p:pic>
+        <p:pic>
+          <p:nvPicPr>
+            <p:cNvPr id="6" name="object 4">
+              <a:extLst>
+                <a:ext uri="{FF2B5EF4-FFF2-40B4-BE49-F238E27FC236}">
+                  <a16:creationId xmlns:a16="http://schemas.microsoft.com/office/drawing/2014/main" id="{224C5C61-57A0-A9F4-46A2-CA4EA886F2B1}"/>
+                </a:ext>
+              </a:extLst>
+            </p:cNvPr>
+            <p:cNvPicPr/>
+            <p:nvPr/>
+          </p:nvPicPr>
+          <p:blipFill>
+            <a:blip r:embed="rId3" cstate="print"/>
+            <a:stretch>
+              <a:fillRect/>
+            </a:stretch>
+          </p:blipFill>
+          <p:spPr>
+            <a:xfrm>
+              <a:off x="0" y="772668"/>
+              <a:ext cx="10692384" cy="6013703"/>
+            </a:xfrm>
+            <a:prstGeom prst="rect">
+              <a:avLst/>
+            </a:prstGeom>
+          </p:spPr>
+        </p:pic>
+      </p:grpSp>
+      <p:sp>
+        <p:nvSpPr>
+          <p:cNvPr id="2" name="object 2"/>
+          <p:cNvSpPr txBox="1">
+            <a:spLocks noGrp="1"/>
+          </p:cNvSpPr>
+          <p:nvPr>
+            <p:ph type="title"/>
+          </p:nvPr>
+        </p:nvSpPr>
+        <p:spPr>
+          <a:xfrm>
+            <a:off x="-311150" y="-86259"/>
+            <a:ext cx="5257800" cy="753538"/>
+          </a:xfrm>
+          <a:prstGeom prst="rect">
+            <a:avLst/>
+          </a:prstGeom>
+        </p:spPr>
+        <p:txBody>
+          <a:bodyPr vert="horz" wrap="square" lIns="0" tIns="266190" rIns="0" bIns="0" rtlCol="0">
+            <a:spAutoFit/>
+          </a:bodyPr>
+          <a:lstStyle/>
+          <a:p>
+            <a:pPr marL="574714">
+              <a:spcBef>
+                <a:spcPts val="105"/>
+              </a:spcBef>
+            </a:pPr>
+            <a:r>
+              <a:rPr lang="pt-BR" spc="-45" dirty="0"/>
+              <a:t>Data pre-processing</a:t>
+            </a:r>
+            <a:endParaRPr spc="-45" dirty="0"/>
+          </a:p>
+        </p:txBody>
+      </p:sp>
+      <p:sp>
+        <p:nvSpPr>
+          <p:cNvPr id="10" name="TextBox 9">
+            <a:extLst>
+              <a:ext uri="{FF2B5EF4-FFF2-40B4-BE49-F238E27FC236}">
+                <a16:creationId xmlns:a16="http://schemas.microsoft.com/office/drawing/2014/main" id="{1236FE1A-F602-05CC-B499-F98367E4BA3E}"/>
+              </a:ext>
+            </a:extLst>
+          </p:cNvPr>
+          <p:cNvSpPr txBox="1"/>
+          <p:nvPr/>
+        </p:nvSpPr>
+        <p:spPr>
+          <a:xfrm>
+            <a:off x="146050" y="760412"/>
+            <a:ext cx="10439400" cy="461665"/>
+          </a:xfrm>
+          <a:prstGeom prst="rect">
+            <a:avLst/>
+          </a:prstGeom>
+          <a:noFill/>
+        </p:spPr>
+        <p:txBody>
+          <a:bodyPr wrap="square" rtlCol="0">
+            <a:spAutoFit/>
+          </a:bodyPr>
+          <a:lstStyle/>
+          <a:p>
+            <a:r>
+              <a:rPr lang="pt-BR" sz="1200" dirty="0">
+                <a:solidFill>
+                  <a:schemeClr val="bg1"/>
+                </a:solidFill>
+              </a:rPr>
+              <a:t>Initially, the dataset came without any headers and had an empty column with value 0 for every row, so we deleted that column and renamed the headers as it showed on the webpage.</a:t>
+            </a:r>
+            <a:endParaRPr lang="pt-PT" sz="1200" dirty="0">
+              <a:solidFill>
+                <a:schemeClr val="bg1"/>
+              </a:solidFill>
+            </a:endParaRPr>
+          </a:p>
+        </p:txBody>
+      </p:sp>
+      <p:sp>
+        <p:nvSpPr>
+          <p:cNvPr id="12" name="TextBox 11">
+            <a:extLst>
+              <a:ext uri="{FF2B5EF4-FFF2-40B4-BE49-F238E27FC236}">
+                <a16:creationId xmlns:a16="http://schemas.microsoft.com/office/drawing/2014/main" id="{9C96BC53-9A28-8AF7-6F52-C68D1363A0CB}"/>
+              </a:ext>
+            </a:extLst>
+          </p:cNvPr>
+          <p:cNvSpPr txBox="1"/>
+          <p:nvPr/>
+        </p:nvSpPr>
+        <p:spPr>
+          <a:xfrm>
+            <a:off x="66259" y="2532092"/>
+            <a:ext cx="7620000" cy="1015663"/>
+          </a:xfrm>
+          <a:prstGeom prst="rect">
+            <a:avLst/>
+          </a:prstGeom>
+          <a:noFill/>
+        </p:spPr>
+        <p:txBody>
+          <a:bodyPr wrap="square">
+            <a:spAutoFit/>
+          </a:bodyPr>
+          <a:lstStyle/>
+          <a:p>
+            <a:r>
+              <a:rPr lang="pt-BR" sz="1200" dirty="0">
+                <a:solidFill>
+                  <a:schemeClr val="bg1"/>
+                </a:solidFill>
+              </a:rPr>
+              <a:t>Afterwards, we checked that there were no missing values in the dataset and calculated the accuracy for some models as a baseline.</a:t>
+            </a:r>
+          </a:p>
+          <a:p>
+            <a:endParaRPr lang="pt-BR" sz="1200" dirty="0">
+              <a:solidFill>
+                <a:schemeClr val="bg1"/>
+              </a:solidFill>
+            </a:endParaRPr>
+          </a:p>
+          <a:p>
+            <a:r>
+              <a:rPr lang="pt-BR" sz="1200" dirty="0">
+                <a:solidFill>
+                  <a:schemeClr val="bg1"/>
+                </a:solidFill>
+              </a:rPr>
+              <a:t>We also analyzed the data itself and found some columns with very high values, compared to the mean and standard deviation, like the wardsPlaced column.</a:t>
+            </a:r>
+            <a:endParaRPr lang="pt-PT" sz="1200" dirty="0">
+              <a:solidFill>
+                <a:schemeClr val="bg1"/>
+              </a:solidFill>
+            </a:endParaRPr>
+          </a:p>
+        </p:txBody>
+      </p:sp>
+      <p:pic>
+        <p:nvPicPr>
+          <p:cNvPr id="14" name="Picture 13">
+            <a:extLst>
+              <a:ext uri="{FF2B5EF4-FFF2-40B4-BE49-F238E27FC236}">
+                <a16:creationId xmlns:a16="http://schemas.microsoft.com/office/drawing/2014/main" id="{FCF574EC-A3C2-3ECB-A4F2-7B4DCC455C2F}"/>
+              </a:ext>
+            </a:extLst>
+          </p:cNvPr>
+          <p:cNvPicPr>
+            <a:picLocks noChangeAspect="1"/>
+          </p:cNvPicPr>
+          <p:nvPr/>
+        </p:nvPicPr>
+        <p:blipFill>
+          <a:blip r:embed="rId4"/>
+          <a:stretch>
+            <a:fillRect/>
+          </a:stretch>
+        </p:blipFill>
+        <p:spPr>
+          <a:xfrm>
+            <a:off x="94366" y="1214877"/>
+            <a:ext cx="10543974" cy="1302221"/>
+          </a:xfrm>
+          <a:prstGeom prst="rect">
+            <a:avLst/>
+          </a:prstGeom>
+        </p:spPr>
+      </p:pic>
+      <p:pic>
+        <p:nvPicPr>
+          <p:cNvPr id="16" name="Picture 15">
+            <a:extLst>
+              <a:ext uri="{FF2B5EF4-FFF2-40B4-BE49-F238E27FC236}">
+                <a16:creationId xmlns:a16="http://schemas.microsoft.com/office/drawing/2014/main" id="{C9C74534-B8D9-8034-1AEE-2A336CDD0E51}"/>
+              </a:ext>
+            </a:extLst>
+          </p:cNvPr>
+          <p:cNvPicPr>
+            <a:picLocks noChangeAspect="1"/>
+          </p:cNvPicPr>
+          <p:nvPr/>
+        </p:nvPicPr>
+        <p:blipFill>
+          <a:blip r:embed="rId5"/>
+          <a:stretch>
+            <a:fillRect/>
+          </a:stretch>
+        </p:blipFill>
+        <p:spPr>
+          <a:xfrm>
+            <a:off x="7886001" y="2648084"/>
+            <a:ext cx="2655371" cy="1868594"/>
+          </a:xfrm>
+          <a:prstGeom prst="rect">
+            <a:avLst/>
+          </a:prstGeom>
+        </p:spPr>
+      </p:pic>
+      <p:pic>
+        <p:nvPicPr>
+          <p:cNvPr id="18" name="Picture 17">
+            <a:extLst>
+              <a:ext uri="{FF2B5EF4-FFF2-40B4-BE49-F238E27FC236}">
+                <a16:creationId xmlns:a16="http://schemas.microsoft.com/office/drawing/2014/main" id="{3364028A-7A50-BE1B-B191-2F8FA6AB3963}"/>
+              </a:ext>
+            </a:extLst>
+          </p:cNvPr>
+          <p:cNvPicPr>
+            <a:picLocks noChangeAspect="1"/>
+          </p:cNvPicPr>
+          <p:nvPr/>
+        </p:nvPicPr>
+        <p:blipFill>
+          <a:blip r:embed="rId6"/>
+          <a:stretch>
+            <a:fillRect/>
+          </a:stretch>
+        </p:blipFill>
+        <p:spPr>
+          <a:xfrm>
+            <a:off x="138735" y="3547755"/>
+            <a:ext cx="7506716" cy="1606829"/>
+          </a:xfrm>
+          <a:prstGeom prst="rect">
+            <a:avLst/>
+          </a:prstGeom>
+        </p:spPr>
+      </p:pic>
+      <p:sp>
+        <p:nvSpPr>
+          <p:cNvPr id="19" name="TextBox 18">
+            <a:extLst>
+              <a:ext uri="{FF2B5EF4-FFF2-40B4-BE49-F238E27FC236}">
+                <a16:creationId xmlns:a16="http://schemas.microsoft.com/office/drawing/2014/main" id="{BF2C58E7-414C-60F4-1A5D-4767C77B2988}"/>
+              </a:ext>
+            </a:extLst>
+          </p:cNvPr>
+          <p:cNvSpPr txBox="1"/>
+          <p:nvPr/>
+        </p:nvSpPr>
+        <p:spPr>
+          <a:xfrm>
+            <a:off x="138735" y="5256212"/>
+            <a:ext cx="10370515" cy="276999"/>
+          </a:xfrm>
+          <a:prstGeom prst="rect">
+            <a:avLst/>
+          </a:prstGeom>
+          <a:noFill/>
+        </p:spPr>
+        <p:txBody>
+          <a:bodyPr wrap="square" rtlCol="0">
+            <a:spAutoFit/>
+          </a:bodyPr>
+          <a:lstStyle/>
+          <a:p>
+            <a:r>
+              <a:rPr lang="pt-BR" sz="1200" dirty="0">
+                <a:solidFill>
+                  <a:schemeClr val="bg1"/>
+                </a:solidFill>
+              </a:rPr>
+              <a:t>Therefore, we decided to do a boxplot of both teams wardsPlaced column to check how many outliers there are. (Next Slide)</a:t>
+            </a:r>
+            <a:endParaRPr lang="pt-PT" sz="1200" dirty="0">
+              <a:solidFill>
+                <a:schemeClr val="bg1"/>
+              </a:solidFill>
+            </a:endParaRPr>
+          </a:p>
+        </p:txBody>
+      </p:sp>
+    </p:spTree>
+    <p:extLst>
+      <p:ext uri="{BB962C8B-B14F-4D97-AF65-F5344CB8AC3E}">
+        <p14:creationId xmlns:p14="http://schemas.microsoft.com/office/powerpoint/2010/main" val="3626809026"/>
+      </p:ext>
+    </p:extLst>
+  </p:cSld>
+  <p:clrMapOvr>
+    <a:masterClrMapping/>
+  </p:clrMapOvr>
+</p:sld>
+</file>
+
+<file path=ppt/slides/slide7.xml><?xml version="1.0" encoding="utf-8"?>
+<p:sld xmlns:a="http://schemas.openxmlformats.org/drawingml/2006/main" xmlns:r="http://schemas.openxmlformats.org/officeDocument/2006/relationships" xmlns:p="http://schemas.openxmlformats.org/presentationml/2006/main">
+  <p:cSld>
+    <p:spTree>
+      <p:nvGrpSpPr>
+        <p:cNvPr id="1" name=""/>
+        <p:cNvGrpSpPr/>
+        <p:nvPr/>
+      </p:nvGrpSpPr>
+      <p:grpSpPr>
+        <a:xfrm>
+          <a:off x="0" y="0"/>
+          <a:ext cx="0" cy="0"/>
+          <a:chOff x="0" y="0"/>
+          <a:chExt cx="0" cy="0"/>
+        </a:xfrm>
+      </p:grpSpPr>
+      <p:grpSp>
+        <p:nvGrpSpPr>
+          <p:cNvPr id="4" name="object 2">
+            <a:extLst>
+              <a:ext uri="{FF2B5EF4-FFF2-40B4-BE49-F238E27FC236}">
+                <a16:creationId xmlns:a16="http://schemas.microsoft.com/office/drawing/2014/main" id="{EA62F31A-75C4-E16C-E83A-DCD337C271A8}"/>
+              </a:ext>
+            </a:extLst>
+          </p:cNvPr>
+          <p:cNvGrpSpPr/>
+          <p:nvPr/>
+        </p:nvGrpSpPr>
+        <p:grpSpPr>
+          <a:xfrm>
+            <a:off x="-1374" y="0"/>
+            <a:ext cx="10692765" cy="6014085"/>
+            <a:chOff x="0" y="772668"/>
+            <a:chExt cx="10692765" cy="6014085"/>
+          </a:xfrm>
+        </p:grpSpPr>
+        <p:pic>
+          <p:nvPicPr>
+            <p:cNvPr id="5" name="object 3">
+              <a:extLst>
+                <a:ext uri="{FF2B5EF4-FFF2-40B4-BE49-F238E27FC236}">
+                  <a16:creationId xmlns:a16="http://schemas.microsoft.com/office/drawing/2014/main" id="{249AD492-A3BC-24E8-3D66-9E73F8DC9B69}"/>
+                </a:ext>
+              </a:extLst>
+            </p:cNvPr>
+            <p:cNvPicPr/>
+            <p:nvPr/>
+          </p:nvPicPr>
+          <p:blipFill>
+            <a:blip r:embed="rId2" cstate="print"/>
+            <a:stretch>
+              <a:fillRect/>
+            </a:stretch>
+          </p:blipFill>
+          <p:spPr>
+            <a:xfrm>
+              <a:off x="0" y="772668"/>
+              <a:ext cx="10692384" cy="6013703"/>
+            </a:xfrm>
+            <a:prstGeom prst="rect">
+              <a:avLst/>
+            </a:prstGeom>
+          </p:spPr>
+        </p:pic>
+        <p:pic>
+          <p:nvPicPr>
+            <p:cNvPr id="6" name="object 4">
+              <a:extLst>
+                <a:ext uri="{FF2B5EF4-FFF2-40B4-BE49-F238E27FC236}">
+                  <a16:creationId xmlns:a16="http://schemas.microsoft.com/office/drawing/2014/main" id="{224C5C61-57A0-A9F4-46A2-CA4EA886F2B1}"/>
+                </a:ext>
+              </a:extLst>
+            </p:cNvPr>
+            <p:cNvPicPr/>
+            <p:nvPr/>
+          </p:nvPicPr>
+          <p:blipFill>
+            <a:blip r:embed="rId3" cstate="print"/>
+            <a:stretch>
+              <a:fillRect/>
+            </a:stretch>
+          </p:blipFill>
+          <p:spPr>
+            <a:xfrm>
+              <a:off x="0" y="772668"/>
+              <a:ext cx="10692384" cy="6013703"/>
+            </a:xfrm>
+            <a:prstGeom prst="rect">
+              <a:avLst/>
+            </a:prstGeom>
+          </p:spPr>
+        </p:pic>
+      </p:grpSp>
+      <p:sp>
+        <p:nvSpPr>
+          <p:cNvPr id="2" name="object 2"/>
+          <p:cNvSpPr txBox="1">
+            <a:spLocks noGrp="1"/>
+          </p:cNvSpPr>
+          <p:nvPr>
+            <p:ph type="title"/>
+          </p:nvPr>
+        </p:nvSpPr>
+        <p:spPr>
+          <a:xfrm>
+            <a:off x="-311150" y="-86259"/>
+            <a:ext cx="5257800" cy="753538"/>
+          </a:xfrm>
+          <a:prstGeom prst="rect">
+            <a:avLst/>
+          </a:prstGeom>
+        </p:spPr>
+        <p:txBody>
+          <a:bodyPr vert="horz" wrap="square" lIns="0" tIns="266190" rIns="0" bIns="0" rtlCol="0">
+            <a:spAutoFit/>
+          </a:bodyPr>
+          <a:lstStyle/>
+          <a:p>
+            <a:pPr marL="574714">
+              <a:spcBef>
+                <a:spcPts val="105"/>
+              </a:spcBef>
+            </a:pPr>
+            <a:r>
+              <a:rPr lang="pt-BR" spc="-45" dirty="0"/>
+              <a:t>Data pre-processing</a:t>
+            </a:r>
+            <a:endParaRPr spc="-45" dirty="0"/>
+          </a:p>
+        </p:txBody>
+      </p:sp>
+      <p:sp>
+        <p:nvSpPr>
+          <p:cNvPr id="10" name="TextBox 9">
+            <a:extLst>
+              <a:ext uri="{FF2B5EF4-FFF2-40B4-BE49-F238E27FC236}">
+                <a16:creationId xmlns:a16="http://schemas.microsoft.com/office/drawing/2014/main" id="{1236FE1A-F602-05CC-B499-F98367E4BA3E}"/>
+              </a:ext>
+            </a:extLst>
+          </p:cNvPr>
+          <p:cNvSpPr txBox="1"/>
+          <p:nvPr/>
+        </p:nvSpPr>
+        <p:spPr>
+          <a:xfrm>
+            <a:off x="116544" y="634557"/>
+            <a:ext cx="10439400" cy="646331"/>
+          </a:xfrm>
+          <a:prstGeom prst="rect">
+            <a:avLst/>
+          </a:prstGeom>
+          <a:noFill/>
+        </p:spPr>
+        <p:txBody>
+          <a:bodyPr wrap="square" rtlCol="0">
+            <a:spAutoFit/>
+          </a:bodyPr>
+          <a:lstStyle/>
+          <a:p>
+            <a:r>
+              <a:rPr lang="pt-BR" sz="1200" dirty="0">
+                <a:solidFill>
+                  <a:schemeClr val="bg1"/>
+                </a:solidFill>
+              </a:rPr>
+              <a:t>As demonstrated, there are a lot of outliers in both graphics, calculated according to the IQR method, which gave us roughly 6235 outliers (for both teams, which means some of them could be repeated rows). We decided to remove the top 5% of outliers, which eliminated circa 2400 lines from the dataset.</a:t>
+            </a:r>
+            <a:endParaRPr lang="pt-PT" sz="1200" dirty="0">
+              <a:solidFill>
+                <a:schemeClr val="bg1"/>
+              </a:solidFill>
+            </a:endParaRPr>
+          </a:p>
+        </p:txBody>
+      </p:sp>
+      <p:pic>
+        <p:nvPicPr>
+          <p:cNvPr id="7" name="Picture 6">
+            <a:extLst>
+              <a:ext uri="{FF2B5EF4-FFF2-40B4-BE49-F238E27FC236}">
+                <a16:creationId xmlns:a16="http://schemas.microsoft.com/office/drawing/2014/main" id="{9D2B91CC-3765-4607-4EA7-1431FFBB5D74}"/>
+              </a:ext>
+            </a:extLst>
+          </p:cNvPr>
+          <p:cNvPicPr>
+            <a:picLocks noChangeAspect="1"/>
+          </p:cNvPicPr>
+          <p:nvPr/>
+        </p:nvPicPr>
+        <p:blipFill>
+          <a:blip r:embed="rId4"/>
+          <a:stretch>
+            <a:fillRect/>
+          </a:stretch>
+        </p:blipFill>
+        <p:spPr>
+          <a:xfrm>
+            <a:off x="-9948" y="1280888"/>
+            <a:ext cx="5539512" cy="1527817"/>
+          </a:xfrm>
+          <a:prstGeom prst="rect">
+            <a:avLst/>
+          </a:prstGeom>
+        </p:spPr>
+      </p:pic>
+      <p:pic>
+        <p:nvPicPr>
+          <p:cNvPr id="9" name="Picture 8">
+            <a:extLst>
+              <a:ext uri="{FF2B5EF4-FFF2-40B4-BE49-F238E27FC236}">
+                <a16:creationId xmlns:a16="http://schemas.microsoft.com/office/drawing/2014/main" id="{12EED3C4-4B30-C462-0F7E-F3F2A9D93558}"/>
+              </a:ext>
+            </a:extLst>
+          </p:cNvPr>
+          <p:cNvPicPr>
+            <a:picLocks noChangeAspect="1"/>
+          </p:cNvPicPr>
+          <p:nvPr/>
+        </p:nvPicPr>
+        <p:blipFill>
+          <a:blip r:embed="rId5"/>
+          <a:stretch>
+            <a:fillRect/>
+          </a:stretch>
+        </p:blipFill>
+        <p:spPr>
+          <a:xfrm>
+            <a:off x="-14419" y="2808705"/>
+            <a:ext cx="5548453" cy="1544190"/>
+          </a:xfrm>
+          <a:prstGeom prst="rect">
+            <a:avLst/>
+          </a:prstGeom>
+        </p:spPr>
+      </p:pic>
+      <p:sp>
+        <p:nvSpPr>
+          <p:cNvPr id="11" name="TextBox 10">
+            <a:extLst>
+              <a:ext uri="{FF2B5EF4-FFF2-40B4-BE49-F238E27FC236}">
+                <a16:creationId xmlns:a16="http://schemas.microsoft.com/office/drawing/2014/main" id="{D945E48B-34BF-DBB2-2508-03F44373DFC9}"/>
+              </a:ext>
+            </a:extLst>
+          </p:cNvPr>
+          <p:cNvSpPr txBox="1"/>
+          <p:nvPr/>
+        </p:nvSpPr>
+        <p:spPr>
+          <a:xfrm>
+            <a:off x="5708652" y="1280888"/>
+            <a:ext cx="4830104" cy="276999"/>
+          </a:xfrm>
+          <a:prstGeom prst="rect">
+            <a:avLst/>
+          </a:prstGeom>
+          <a:noFill/>
+        </p:spPr>
+        <p:txBody>
+          <a:bodyPr wrap="square" rtlCol="0">
+            <a:spAutoFit/>
+          </a:bodyPr>
+          <a:lstStyle/>
+          <a:p>
+            <a:r>
+              <a:rPr lang="pt-BR" sz="1200" dirty="0">
+                <a:solidFill>
+                  <a:schemeClr val="bg1"/>
+                </a:solidFill>
+              </a:rPr>
+              <a:t>We also plotted some graphics to easily understand each feature.</a:t>
+            </a:r>
+            <a:endParaRPr lang="pt-PT" sz="1200" dirty="0">
+              <a:solidFill>
+                <a:schemeClr val="bg1"/>
+              </a:solidFill>
+            </a:endParaRPr>
+          </a:p>
+        </p:txBody>
+      </p:sp>
+      <p:pic>
+        <p:nvPicPr>
+          <p:cNvPr id="15" name="Picture 14">
+            <a:extLst>
+              <a:ext uri="{FF2B5EF4-FFF2-40B4-BE49-F238E27FC236}">
+                <a16:creationId xmlns:a16="http://schemas.microsoft.com/office/drawing/2014/main" id="{9174CED1-B7EE-FBD2-2200-68DA677CB4EE}"/>
+              </a:ext>
+            </a:extLst>
+          </p:cNvPr>
+          <p:cNvPicPr>
+            <a:picLocks noChangeAspect="1"/>
+          </p:cNvPicPr>
+          <p:nvPr/>
+        </p:nvPicPr>
+        <p:blipFill>
+          <a:blip r:embed="rId6"/>
+          <a:stretch>
+            <a:fillRect/>
+          </a:stretch>
+        </p:blipFill>
+        <p:spPr>
+          <a:xfrm>
+            <a:off x="5682112" y="1618444"/>
+            <a:ext cx="4856644" cy="1571428"/>
+          </a:xfrm>
+          <a:prstGeom prst="rect">
+            <a:avLst/>
+          </a:prstGeom>
+        </p:spPr>
+      </p:pic>
+      <p:pic>
+        <p:nvPicPr>
+          <p:cNvPr id="20" name="Picture 19">
+            <a:extLst>
+              <a:ext uri="{FF2B5EF4-FFF2-40B4-BE49-F238E27FC236}">
+                <a16:creationId xmlns:a16="http://schemas.microsoft.com/office/drawing/2014/main" id="{DFAC85AF-5814-C6E2-3EBE-088FC791DC2A}"/>
+              </a:ext>
+            </a:extLst>
+          </p:cNvPr>
+          <p:cNvPicPr>
+            <a:picLocks noChangeAspect="1"/>
+          </p:cNvPicPr>
+          <p:nvPr/>
+        </p:nvPicPr>
+        <p:blipFill>
+          <a:blip r:embed="rId7"/>
+          <a:stretch>
+            <a:fillRect/>
+          </a:stretch>
+        </p:blipFill>
+        <p:spPr>
+          <a:xfrm>
+            <a:off x="5708652" y="3189873"/>
+            <a:ext cx="4830104" cy="2329686"/>
+          </a:xfrm>
+          <a:prstGeom prst="rect">
+            <a:avLst/>
+          </a:prstGeom>
+        </p:spPr>
+      </p:pic>
+      <p:sp>
+        <p:nvSpPr>
+          <p:cNvPr id="23" name="TextBox 22">
+            <a:extLst>
+              <a:ext uri="{FF2B5EF4-FFF2-40B4-BE49-F238E27FC236}">
+                <a16:creationId xmlns:a16="http://schemas.microsoft.com/office/drawing/2014/main" id="{8BD57FCE-326C-5A85-E774-8C8D75E589D8}"/>
+              </a:ext>
+            </a:extLst>
+          </p:cNvPr>
+          <p:cNvSpPr txBox="1"/>
+          <p:nvPr/>
+        </p:nvSpPr>
+        <p:spPr>
+          <a:xfrm>
+            <a:off x="116946" y="4485913"/>
+            <a:ext cx="5324305" cy="1015663"/>
+          </a:xfrm>
+          <a:prstGeom prst="rect">
+            <a:avLst/>
+          </a:prstGeom>
+          <a:noFill/>
+        </p:spPr>
+        <p:txBody>
+          <a:bodyPr wrap="square" rtlCol="0">
+            <a:spAutoFit/>
+          </a:bodyPr>
+          <a:lstStyle/>
+          <a:p>
+            <a:r>
+              <a:rPr lang="pt-BR" sz="1200" dirty="0">
+                <a:solidFill>
+                  <a:schemeClr val="bg1"/>
+                </a:solidFill>
+              </a:rPr>
+              <a:t>At this point, we started to suspect there was something wrong with the platesDestroyed graphic… So we plotted the correlation heatmap to find out that the redTeamTurretPlatesDestroyed was closer to the blueWin being 1 than it being 0, and vice-versa, which could only mean that the columns were swapped. </a:t>
+            </a:r>
+            <a:endParaRPr lang="pt-PT" sz="1200" dirty="0">
+              <a:solidFill>
+                <a:schemeClr val="bg1"/>
+              </a:solidFill>
+            </a:endParaRPr>
+          </a:p>
+        </p:txBody>
+      </p:sp>
+    </p:spTree>
+    <p:extLst>
+      <p:ext uri="{BB962C8B-B14F-4D97-AF65-F5344CB8AC3E}">
+        <p14:creationId xmlns:p14="http://schemas.microsoft.com/office/powerpoint/2010/main" val="3631189357"/>
       </p:ext>
     </p:extLst>
   </p:cSld>
